--- a/day 6/SAC_Training Day 6.pptx
+++ b/day 6/SAC_Training Day 6.pptx
@@ -208,7 +208,7 @@
           <a:p>
             <a:fld id="{4AF2A06D-4991-4208-8C88-4E8BAD69A8B8}" type="datetimeFigureOut">
               <a:rPr lang="en-US" smtClean="0"/>
-              <a:t>11/19/2021</a:t>
+              <a:t>1/9/2022</a:t>
             </a:fld>
             <a:endParaRPr lang="en-US" dirty="0"/>
           </a:p>
@@ -832,7 +832,7 @@
           <a:p>
             <a:fld id="{E26E0DA5-0C76-4851-AA82-0B75261F9EB4}" type="datetimeFigureOut">
               <a:rPr lang="en-US" smtClean="0"/>
-              <a:t>11/19/2021</a:t>
+              <a:t>1/9/2022</a:t>
             </a:fld>
             <a:endParaRPr lang="en-US" dirty="0"/>
           </a:p>
@@ -1000,7 +1000,7 @@
           <a:p>
             <a:fld id="{E26E0DA5-0C76-4851-AA82-0B75261F9EB4}" type="datetimeFigureOut">
               <a:rPr lang="en-US" smtClean="0"/>
-              <a:t>11/19/2021</a:t>
+              <a:t>1/9/2022</a:t>
             </a:fld>
             <a:endParaRPr lang="en-US" dirty="0"/>
           </a:p>
@@ -1178,7 +1178,7 @@
           <a:p>
             <a:fld id="{E26E0DA5-0C76-4851-AA82-0B75261F9EB4}" type="datetimeFigureOut">
               <a:rPr lang="en-US" smtClean="0"/>
-              <a:t>11/19/2021</a:t>
+              <a:t>1/9/2022</a:t>
             </a:fld>
             <a:endParaRPr lang="en-US" dirty="0"/>
           </a:p>
@@ -1302,7 +1302,7 @@
             <a:fld id="{425404F2-BE9A-4460-8815-8F645183555F}" type="datetimeFigureOut">
               <a:rPr lang="en-US" smtClean="0"/>
               <a:pPr/>
-              <a:t>11/19/2021</a:t>
+              <a:t>1/9/2022</a:t>
             </a:fld>
             <a:endParaRPr lang="en-US" dirty="0"/>
           </a:p>
@@ -1484,7 +1484,7 @@
             <a:fld id="{425404F2-BE9A-4460-8815-8F645183555F}" type="datetimeFigureOut">
               <a:rPr lang="en-US" smtClean="0"/>
               <a:pPr/>
-              <a:t>11/19/2021</a:t>
+              <a:t>1/9/2022</a:t>
             </a:fld>
             <a:endParaRPr lang="en-US" dirty="0"/>
           </a:p>
@@ -1710,7 +1710,7 @@
           <a:p>
             <a:fld id="{E26E0DA5-0C76-4851-AA82-0B75261F9EB4}" type="datetimeFigureOut">
               <a:rPr lang="en-US" smtClean="0"/>
-              <a:t>11/19/2021</a:t>
+              <a:t>1/9/2022</a:t>
             </a:fld>
             <a:endParaRPr lang="en-US" dirty="0"/>
           </a:p>
@@ -1955,7 +1955,7 @@
           <a:p>
             <a:fld id="{E26E0DA5-0C76-4851-AA82-0B75261F9EB4}" type="datetimeFigureOut">
               <a:rPr lang="en-US" smtClean="0"/>
-              <a:t>11/19/2021</a:t>
+              <a:t>1/9/2022</a:t>
             </a:fld>
             <a:endParaRPr lang="en-US" dirty="0"/>
           </a:p>
@@ -2184,7 +2184,7 @@
           <a:p>
             <a:fld id="{E26E0DA5-0C76-4851-AA82-0B75261F9EB4}" type="datetimeFigureOut">
               <a:rPr lang="en-US" smtClean="0"/>
-              <a:t>11/19/2021</a:t>
+              <a:t>1/9/2022</a:t>
             </a:fld>
             <a:endParaRPr lang="en-US" dirty="0"/>
           </a:p>
@@ -2548,7 +2548,7 @@
           <a:p>
             <a:fld id="{E26E0DA5-0C76-4851-AA82-0B75261F9EB4}" type="datetimeFigureOut">
               <a:rPr lang="en-US" smtClean="0"/>
-              <a:t>11/19/2021</a:t>
+              <a:t>1/9/2022</a:t>
             </a:fld>
             <a:endParaRPr lang="en-US" dirty="0"/>
           </a:p>
@@ -2665,7 +2665,7 @@
           <a:p>
             <a:fld id="{E26E0DA5-0C76-4851-AA82-0B75261F9EB4}" type="datetimeFigureOut">
               <a:rPr lang="en-US" smtClean="0"/>
-              <a:t>11/19/2021</a:t>
+              <a:t>1/9/2022</a:t>
             </a:fld>
             <a:endParaRPr lang="en-US" dirty="0"/>
           </a:p>
@@ -2760,7 +2760,7 @@
           <a:p>
             <a:fld id="{E26E0DA5-0C76-4851-AA82-0B75261F9EB4}" type="datetimeFigureOut">
               <a:rPr lang="en-US" smtClean="0"/>
-              <a:t>11/19/2021</a:t>
+              <a:t>1/9/2022</a:t>
             </a:fld>
             <a:endParaRPr lang="en-US" dirty="0"/>
           </a:p>
@@ -3035,7 +3035,7 @@
           <a:p>
             <a:fld id="{E26E0DA5-0C76-4851-AA82-0B75261F9EB4}" type="datetimeFigureOut">
               <a:rPr lang="en-US" smtClean="0"/>
-              <a:t>11/19/2021</a:t>
+              <a:t>1/9/2022</a:t>
             </a:fld>
             <a:endParaRPr lang="en-US" dirty="0"/>
           </a:p>
@@ -3287,7 +3287,7 @@
           <a:p>
             <a:fld id="{E26E0DA5-0C76-4851-AA82-0B75261F9EB4}" type="datetimeFigureOut">
               <a:rPr lang="en-US" smtClean="0"/>
-              <a:t>11/19/2021</a:t>
+              <a:t>1/9/2022</a:t>
             </a:fld>
             <a:endParaRPr lang="en-US" dirty="0"/>
           </a:p>
@@ -3498,7 +3498,7 @@
           <a:p>
             <a:fld id="{E26E0DA5-0C76-4851-AA82-0B75261F9EB4}" type="datetimeFigureOut">
               <a:rPr lang="en-US" smtClean="0"/>
-              <a:t>11/19/2021</a:t>
+              <a:t>1/9/2022</a:t>
             </a:fld>
             <a:endParaRPr lang="en-US" dirty="0"/>
           </a:p>
@@ -4083,7 +4083,7 @@
         <p:spPr>
           <a:xfrm>
             <a:off x="187367" y="2062424"/>
-            <a:ext cx="6629399" cy="1754326"/>
+            <a:ext cx="6629399" cy="1200329"/>
           </a:xfrm>
           <a:prstGeom prst="rect">
             <a:avLst/>
@@ -4120,22 +4120,15 @@
                   <a:schemeClr val="bg1"/>
                 </a:solidFill>
               </a:rPr>
-              <a:t>Shubham Singh</a:t>
-            </a:r>
-            <a:endParaRPr lang="en-US" sz="3600" spc="-150" dirty="0">
-              <a:solidFill>
-                <a:schemeClr val="bg1"/>
-              </a:solidFill>
-            </a:endParaRPr>
-          </a:p>
-          <a:p>
+              <a:t>Day </a:t>
+            </a:r>
             <a:r>
               <a:rPr lang="en-US" sz="3600" spc="-150" dirty="0">
                 <a:solidFill>
                   <a:schemeClr val="bg1"/>
                 </a:solidFill>
               </a:rPr>
-              <a:t>Day 6</a:t>
+              <a:t>6</a:t>
             </a:r>
           </a:p>
         </p:txBody>
@@ -4187,7 +4180,7 @@
           <p:cNvPr id="2" name="Title 3">
             <a:extLst>
               <a:ext uri="{FF2B5EF4-FFF2-40B4-BE49-F238E27FC236}">
-                <a16:creationId xmlns:a16="http://schemas.microsoft.com/office/drawing/2014/main" xmlns="" id="{F07FC580-E2AB-4C55-8C95-D5E077A1D127}"/>
+                <a16:creationId xmlns:a16="http://schemas.microsoft.com/office/drawing/2014/main" id="{F07FC580-E2AB-4C55-8C95-D5E077A1D127}"/>
               </a:ext>
             </a:extLst>
           </p:cNvPr>
@@ -4236,7 +4229,7 @@
           <p:cNvPr id="7" name="TextBox 6">
             <a:extLst>
               <a:ext uri="{FF2B5EF4-FFF2-40B4-BE49-F238E27FC236}">
-                <a16:creationId xmlns:a16="http://schemas.microsoft.com/office/drawing/2014/main" xmlns="" id="{17EB74BE-8011-4153-8F37-3BEF9C1F4CC0}"/>
+                <a16:creationId xmlns:a16="http://schemas.microsoft.com/office/drawing/2014/main" id="{17EB74BE-8011-4153-8F37-3BEF9C1F4CC0}"/>
               </a:ext>
             </a:extLst>
           </p:cNvPr>
@@ -4301,7 +4294,7 @@
           <p:cNvPr id="1028" name="Picture 4" descr="Free Vector | Flat people with question marks background">
             <a:extLst>
               <a:ext uri="{FF2B5EF4-FFF2-40B4-BE49-F238E27FC236}">
-                <a16:creationId xmlns:a16="http://schemas.microsoft.com/office/drawing/2014/main" xmlns="" id="{E158EC70-4769-4E41-A278-C90EC4E480C7}"/>
+                <a16:creationId xmlns:a16="http://schemas.microsoft.com/office/drawing/2014/main" id="{E158EC70-4769-4E41-A278-C90EC4E480C7}"/>
               </a:ext>
             </a:extLst>
           </p:cNvPr>
@@ -4346,7 +4339,7 @@
           <p:cNvPr id="2" name="TextBox 1">
             <a:extLst>
               <a:ext uri="{FF2B5EF4-FFF2-40B4-BE49-F238E27FC236}">
-                <a16:creationId xmlns:a16="http://schemas.microsoft.com/office/drawing/2014/main" xmlns="" id="{994C3DB2-D47E-4B94-804B-87AF1FDEF86E}"/>
+                <a16:creationId xmlns:a16="http://schemas.microsoft.com/office/drawing/2014/main" id="{994C3DB2-D47E-4B94-804B-87AF1FDEF86E}"/>
               </a:ext>
             </a:extLst>
           </p:cNvPr>
@@ -4421,7 +4414,7 @@
           <p:cNvPr id="2052" name="Picture 4" descr="Ski Jumping Arena - Free Presentation Templates">
             <a:extLst>
               <a:ext uri="{FF2B5EF4-FFF2-40B4-BE49-F238E27FC236}">
-                <a16:creationId xmlns:a16="http://schemas.microsoft.com/office/drawing/2014/main" xmlns="" id="{B0D7E6A1-F72A-4F69-B4FB-A4ED7A0C6CED}"/>
+                <a16:creationId xmlns:a16="http://schemas.microsoft.com/office/drawing/2014/main" id="{B0D7E6A1-F72A-4F69-B4FB-A4ED7A0C6CED}"/>
               </a:ext>
             </a:extLst>
           </p:cNvPr>
@@ -4609,7 +4602,7 @@
           <p:cNvPr id="2" name="Title 3">
             <a:extLst>
               <a:ext uri="{FF2B5EF4-FFF2-40B4-BE49-F238E27FC236}">
-                <a16:creationId xmlns:a16="http://schemas.microsoft.com/office/drawing/2014/main" xmlns="" id="{F07FC580-E2AB-4C55-8C95-D5E077A1D127}"/>
+                <a16:creationId xmlns:a16="http://schemas.microsoft.com/office/drawing/2014/main" id="{F07FC580-E2AB-4C55-8C95-D5E077A1D127}"/>
               </a:ext>
             </a:extLst>
           </p:cNvPr>
@@ -4691,7 +4684,7 @@
           <p:cNvPr id="4" name="Footer Placeholder 45">
             <a:extLst>
               <a:ext uri="{FF2B5EF4-FFF2-40B4-BE49-F238E27FC236}">
-                <a16:creationId xmlns:a16="http://schemas.microsoft.com/office/drawing/2014/main" xmlns="" id="{90E33047-DFF5-4690-8905-31E4C115EFDC}"/>
+                <a16:creationId xmlns:a16="http://schemas.microsoft.com/office/drawing/2014/main" id="{90E33047-DFF5-4690-8905-31E4C115EFDC}"/>
               </a:ext>
             </a:extLst>
           </p:cNvPr>
@@ -4754,7 +4747,7 @@
           <p:cNvPr id="5" name="TextBox 4">
             <a:extLst>
               <a:ext uri="{FF2B5EF4-FFF2-40B4-BE49-F238E27FC236}">
-                <a16:creationId xmlns:a16="http://schemas.microsoft.com/office/drawing/2014/main" xmlns="" id="{27E5B41D-1DDF-48C9-A5AF-075F84492B68}"/>
+                <a16:creationId xmlns:a16="http://schemas.microsoft.com/office/drawing/2014/main" id="{27E5B41D-1DDF-48C9-A5AF-075F84492B68}"/>
               </a:ext>
             </a:extLst>
           </p:cNvPr>
@@ -5329,7 +5322,7 @@
           <p:cNvPr id="37" name="TextBox 36">
             <a:extLst>
               <a:ext uri="{FF2B5EF4-FFF2-40B4-BE49-F238E27FC236}">
-                <a16:creationId xmlns:a16="http://schemas.microsoft.com/office/drawing/2014/main" xmlns="" id="{E8CAC22F-1542-4031-BC6C-A16989886504}"/>
+                <a16:creationId xmlns:a16="http://schemas.microsoft.com/office/drawing/2014/main" id="{E8CAC22F-1542-4031-BC6C-A16989886504}"/>
               </a:ext>
             </a:extLst>
           </p:cNvPr>
@@ -5382,7 +5375,7 @@
           <p:cNvPr id="40" name="Picture 39">
             <a:extLst>
               <a:ext uri="{FF2B5EF4-FFF2-40B4-BE49-F238E27FC236}">
-                <a16:creationId xmlns:a16="http://schemas.microsoft.com/office/drawing/2014/main" xmlns="" id="{DA60E6FB-8C44-4FEB-B6E9-83DA908565CD}"/>
+                <a16:creationId xmlns:a16="http://schemas.microsoft.com/office/drawing/2014/main" id="{DA60E6FB-8C44-4FEB-B6E9-83DA908565CD}"/>
               </a:ext>
             </a:extLst>
           </p:cNvPr>
@@ -5418,7 +5411,7 @@
           <p:cNvPr id="41" name="Straight Connector 40">
             <a:extLst>
               <a:ext uri="{FF2B5EF4-FFF2-40B4-BE49-F238E27FC236}">
-                <a16:creationId xmlns:a16="http://schemas.microsoft.com/office/drawing/2014/main" xmlns="" id="{3B3B7D73-CAE9-45AC-ACCE-FAEF4E505C7A}"/>
+                <a16:creationId xmlns:a16="http://schemas.microsoft.com/office/drawing/2014/main" id="{3B3B7D73-CAE9-45AC-ACCE-FAEF4E505C7A}"/>
               </a:ext>
             </a:extLst>
           </p:cNvPr>
@@ -5454,7 +5447,7 @@
           <p:cNvPr id="2" name="TextBox 1">
             <a:extLst>
               <a:ext uri="{FF2B5EF4-FFF2-40B4-BE49-F238E27FC236}">
-                <a16:creationId xmlns:a16="http://schemas.microsoft.com/office/drawing/2014/main" xmlns="" id="{FB10A3A0-3BC8-4D12-8C90-678E5C29CA4B}"/>
+                <a16:creationId xmlns:a16="http://schemas.microsoft.com/office/drawing/2014/main" id="{FB10A3A0-3BC8-4D12-8C90-678E5C29CA4B}"/>
               </a:ext>
             </a:extLst>
           </p:cNvPr>
@@ -5593,7 +5586,7 @@
           <p:cNvPr id="37" name="TextBox 36">
             <a:extLst>
               <a:ext uri="{FF2B5EF4-FFF2-40B4-BE49-F238E27FC236}">
-                <a16:creationId xmlns:a16="http://schemas.microsoft.com/office/drawing/2014/main" xmlns="" id="{E8CAC22F-1542-4031-BC6C-A16989886504}"/>
+                <a16:creationId xmlns:a16="http://schemas.microsoft.com/office/drawing/2014/main" id="{E8CAC22F-1542-4031-BC6C-A16989886504}"/>
               </a:ext>
             </a:extLst>
           </p:cNvPr>
@@ -5646,7 +5639,7 @@
           <p:cNvPr id="40" name="Picture 39">
             <a:extLst>
               <a:ext uri="{FF2B5EF4-FFF2-40B4-BE49-F238E27FC236}">
-                <a16:creationId xmlns:a16="http://schemas.microsoft.com/office/drawing/2014/main" xmlns="" id="{DA60E6FB-8C44-4FEB-B6E9-83DA908565CD}"/>
+                <a16:creationId xmlns:a16="http://schemas.microsoft.com/office/drawing/2014/main" id="{DA60E6FB-8C44-4FEB-B6E9-83DA908565CD}"/>
               </a:ext>
             </a:extLst>
           </p:cNvPr>
@@ -5682,7 +5675,7 @@
           <p:cNvPr id="41" name="Straight Connector 40">
             <a:extLst>
               <a:ext uri="{FF2B5EF4-FFF2-40B4-BE49-F238E27FC236}">
-                <a16:creationId xmlns:a16="http://schemas.microsoft.com/office/drawing/2014/main" xmlns="" id="{3B3B7D73-CAE9-45AC-ACCE-FAEF4E505C7A}"/>
+                <a16:creationId xmlns:a16="http://schemas.microsoft.com/office/drawing/2014/main" id="{3B3B7D73-CAE9-45AC-ACCE-FAEF4E505C7A}"/>
               </a:ext>
             </a:extLst>
           </p:cNvPr>
@@ -5718,7 +5711,7 @@
           <p:cNvPr id="2" name="TextBox 1">
             <a:extLst>
               <a:ext uri="{FF2B5EF4-FFF2-40B4-BE49-F238E27FC236}">
-                <a16:creationId xmlns:a16="http://schemas.microsoft.com/office/drawing/2014/main" xmlns="" id="{FB10A3A0-3BC8-4D12-8C90-678E5C29CA4B}"/>
+                <a16:creationId xmlns:a16="http://schemas.microsoft.com/office/drawing/2014/main" id="{FB10A3A0-3BC8-4D12-8C90-678E5C29CA4B}"/>
               </a:ext>
             </a:extLst>
           </p:cNvPr>
@@ -5866,7 +5859,7 @@
           <p:cNvPr id="37" name="TextBox 36">
             <a:extLst>
               <a:ext uri="{FF2B5EF4-FFF2-40B4-BE49-F238E27FC236}">
-                <a16:creationId xmlns:a16="http://schemas.microsoft.com/office/drawing/2014/main" xmlns="" id="{E8CAC22F-1542-4031-BC6C-A16989886504}"/>
+                <a16:creationId xmlns:a16="http://schemas.microsoft.com/office/drawing/2014/main" id="{E8CAC22F-1542-4031-BC6C-A16989886504}"/>
               </a:ext>
             </a:extLst>
           </p:cNvPr>
@@ -5919,7 +5912,7 @@
           <p:cNvPr id="40" name="Picture 39">
             <a:extLst>
               <a:ext uri="{FF2B5EF4-FFF2-40B4-BE49-F238E27FC236}">
-                <a16:creationId xmlns:a16="http://schemas.microsoft.com/office/drawing/2014/main" xmlns="" id="{DA60E6FB-8C44-4FEB-B6E9-83DA908565CD}"/>
+                <a16:creationId xmlns:a16="http://schemas.microsoft.com/office/drawing/2014/main" id="{DA60E6FB-8C44-4FEB-B6E9-83DA908565CD}"/>
               </a:ext>
             </a:extLst>
           </p:cNvPr>
@@ -5955,7 +5948,7 @@
           <p:cNvPr id="41" name="Straight Connector 40">
             <a:extLst>
               <a:ext uri="{FF2B5EF4-FFF2-40B4-BE49-F238E27FC236}">
-                <a16:creationId xmlns:a16="http://schemas.microsoft.com/office/drawing/2014/main" xmlns="" id="{3B3B7D73-CAE9-45AC-ACCE-FAEF4E505C7A}"/>
+                <a16:creationId xmlns:a16="http://schemas.microsoft.com/office/drawing/2014/main" id="{3B3B7D73-CAE9-45AC-ACCE-FAEF4E505C7A}"/>
               </a:ext>
             </a:extLst>
           </p:cNvPr>
@@ -5991,7 +5984,7 @@
           <p:cNvPr id="2" name="Rectangle 1">
             <a:extLst>
               <a:ext uri="{FF2B5EF4-FFF2-40B4-BE49-F238E27FC236}">
-                <a16:creationId xmlns:a16="http://schemas.microsoft.com/office/drawing/2014/main" xmlns="" id="{868EA34F-ED9F-4BF7-A969-627C80F2882A}"/>
+                <a16:creationId xmlns:a16="http://schemas.microsoft.com/office/drawing/2014/main" id="{868EA34F-ED9F-4BF7-A969-627C80F2882A}"/>
               </a:ext>
             </a:extLst>
           </p:cNvPr>
@@ -6040,7 +6033,7 @@
           <p:cNvPr id="3" name="Rectangle 2">
             <a:extLst>
               <a:ext uri="{FF2B5EF4-FFF2-40B4-BE49-F238E27FC236}">
-                <a16:creationId xmlns:a16="http://schemas.microsoft.com/office/drawing/2014/main" xmlns="" id="{2BDD5329-F997-41AF-90A1-6358F9EA18A7}"/>
+                <a16:creationId xmlns:a16="http://schemas.microsoft.com/office/drawing/2014/main" id="{2BDD5329-F997-41AF-90A1-6358F9EA18A7}"/>
               </a:ext>
             </a:extLst>
           </p:cNvPr>
@@ -6089,7 +6082,7 @@
           <p:cNvPr id="4" name="Rectangle 3">
             <a:extLst>
               <a:ext uri="{FF2B5EF4-FFF2-40B4-BE49-F238E27FC236}">
-                <a16:creationId xmlns:a16="http://schemas.microsoft.com/office/drawing/2014/main" xmlns="" id="{E3B143A0-F034-43D7-BF9F-75AFFDD31FE2}"/>
+                <a16:creationId xmlns:a16="http://schemas.microsoft.com/office/drawing/2014/main" id="{E3B143A0-F034-43D7-BF9F-75AFFDD31FE2}"/>
               </a:ext>
             </a:extLst>
           </p:cNvPr>
@@ -6138,7 +6131,7 @@
           <p:cNvPr id="6" name="Connector: Elbow 5">
             <a:extLst>
               <a:ext uri="{FF2B5EF4-FFF2-40B4-BE49-F238E27FC236}">
-                <a16:creationId xmlns:a16="http://schemas.microsoft.com/office/drawing/2014/main" xmlns="" id="{2B56071C-2A43-4A83-89FC-74949F1771E1}"/>
+                <a16:creationId xmlns:a16="http://schemas.microsoft.com/office/drawing/2014/main" id="{2B56071C-2A43-4A83-89FC-74949F1771E1}"/>
               </a:ext>
             </a:extLst>
           </p:cNvPr>
@@ -6177,7 +6170,7 @@
           <p:cNvPr id="10" name="Connector: Elbow 9">
             <a:extLst>
               <a:ext uri="{FF2B5EF4-FFF2-40B4-BE49-F238E27FC236}">
-                <a16:creationId xmlns:a16="http://schemas.microsoft.com/office/drawing/2014/main" xmlns="" id="{BF0A0A3B-7849-480F-AA1B-8481E958A227}"/>
+                <a16:creationId xmlns:a16="http://schemas.microsoft.com/office/drawing/2014/main" id="{BF0A0A3B-7849-480F-AA1B-8481E958A227}"/>
               </a:ext>
             </a:extLst>
           </p:cNvPr>
@@ -6286,7 +6279,7 @@
           <p:cNvPr id="37" name="TextBox 36">
             <a:extLst>
               <a:ext uri="{FF2B5EF4-FFF2-40B4-BE49-F238E27FC236}">
-                <a16:creationId xmlns:a16="http://schemas.microsoft.com/office/drawing/2014/main" xmlns="" id="{E8CAC22F-1542-4031-BC6C-A16989886504}"/>
+                <a16:creationId xmlns:a16="http://schemas.microsoft.com/office/drawing/2014/main" id="{E8CAC22F-1542-4031-BC6C-A16989886504}"/>
               </a:ext>
             </a:extLst>
           </p:cNvPr>
@@ -6339,7 +6332,7 @@
           <p:cNvPr id="40" name="Picture 39">
             <a:extLst>
               <a:ext uri="{FF2B5EF4-FFF2-40B4-BE49-F238E27FC236}">
-                <a16:creationId xmlns:a16="http://schemas.microsoft.com/office/drawing/2014/main" xmlns="" id="{DA60E6FB-8C44-4FEB-B6E9-83DA908565CD}"/>
+                <a16:creationId xmlns:a16="http://schemas.microsoft.com/office/drawing/2014/main" id="{DA60E6FB-8C44-4FEB-B6E9-83DA908565CD}"/>
               </a:ext>
             </a:extLst>
           </p:cNvPr>
@@ -6375,7 +6368,7 @@
           <p:cNvPr id="41" name="Straight Connector 40">
             <a:extLst>
               <a:ext uri="{FF2B5EF4-FFF2-40B4-BE49-F238E27FC236}">
-                <a16:creationId xmlns:a16="http://schemas.microsoft.com/office/drawing/2014/main" xmlns="" id="{3B3B7D73-CAE9-45AC-ACCE-FAEF4E505C7A}"/>
+                <a16:creationId xmlns:a16="http://schemas.microsoft.com/office/drawing/2014/main" id="{3B3B7D73-CAE9-45AC-ACCE-FAEF4E505C7A}"/>
               </a:ext>
             </a:extLst>
           </p:cNvPr>
@@ -6411,7 +6404,7 @@
           <p:cNvPr id="12" name="TextBox 11">
             <a:extLst>
               <a:ext uri="{FF2B5EF4-FFF2-40B4-BE49-F238E27FC236}">
-                <a16:creationId xmlns:a16="http://schemas.microsoft.com/office/drawing/2014/main" xmlns="" id="{44973490-C9B4-4D32-9D47-478FF65EB42B}"/>
+                <a16:creationId xmlns:a16="http://schemas.microsoft.com/office/drawing/2014/main" id="{44973490-C9B4-4D32-9D47-478FF65EB42B}"/>
               </a:ext>
             </a:extLst>
           </p:cNvPr>
@@ -6552,7 +6545,7 @@
           <p:cNvPr id="14" name="TextBox 13">
             <a:extLst>
               <a:ext uri="{FF2B5EF4-FFF2-40B4-BE49-F238E27FC236}">
-                <a16:creationId xmlns:a16="http://schemas.microsoft.com/office/drawing/2014/main" xmlns="" id="{B5F6B7C5-21E7-4C13-801E-31E5273FDAED}"/>
+                <a16:creationId xmlns:a16="http://schemas.microsoft.com/office/drawing/2014/main" id="{B5F6B7C5-21E7-4C13-801E-31E5273FDAED}"/>
               </a:ext>
             </a:extLst>
           </p:cNvPr>
@@ -6706,7 +6699,7 @@
           <p:cNvPr id="37" name="TextBox 36">
             <a:extLst>
               <a:ext uri="{FF2B5EF4-FFF2-40B4-BE49-F238E27FC236}">
-                <a16:creationId xmlns:a16="http://schemas.microsoft.com/office/drawing/2014/main" xmlns="" id="{E8CAC22F-1542-4031-BC6C-A16989886504}"/>
+                <a16:creationId xmlns:a16="http://schemas.microsoft.com/office/drawing/2014/main" id="{E8CAC22F-1542-4031-BC6C-A16989886504}"/>
               </a:ext>
             </a:extLst>
           </p:cNvPr>
@@ -6759,7 +6752,7 @@
           <p:cNvPr id="40" name="Picture 39">
             <a:extLst>
               <a:ext uri="{FF2B5EF4-FFF2-40B4-BE49-F238E27FC236}">
-                <a16:creationId xmlns:a16="http://schemas.microsoft.com/office/drawing/2014/main" xmlns="" id="{DA60E6FB-8C44-4FEB-B6E9-83DA908565CD}"/>
+                <a16:creationId xmlns:a16="http://schemas.microsoft.com/office/drawing/2014/main" id="{DA60E6FB-8C44-4FEB-B6E9-83DA908565CD}"/>
               </a:ext>
             </a:extLst>
           </p:cNvPr>
@@ -6795,7 +6788,7 @@
           <p:cNvPr id="41" name="Straight Connector 40">
             <a:extLst>
               <a:ext uri="{FF2B5EF4-FFF2-40B4-BE49-F238E27FC236}">
-                <a16:creationId xmlns:a16="http://schemas.microsoft.com/office/drawing/2014/main" xmlns="" id="{3B3B7D73-CAE9-45AC-ACCE-FAEF4E505C7A}"/>
+                <a16:creationId xmlns:a16="http://schemas.microsoft.com/office/drawing/2014/main" id="{3B3B7D73-CAE9-45AC-ACCE-FAEF4E505C7A}"/>
               </a:ext>
             </a:extLst>
           </p:cNvPr>
@@ -6831,7 +6824,7 @@
           <p:cNvPr id="12" name="TextBox 11">
             <a:extLst>
               <a:ext uri="{FF2B5EF4-FFF2-40B4-BE49-F238E27FC236}">
-                <a16:creationId xmlns:a16="http://schemas.microsoft.com/office/drawing/2014/main" xmlns="" id="{44973490-C9B4-4D32-9D47-478FF65EB42B}"/>
+                <a16:creationId xmlns:a16="http://schemas.microsoft.com/office/drawing/2014/main" id="{44973490-C9B4-4D32-9D47-478FF65EB42B}"/>
               </a:ext>
             </a:extLst>
           </p:cNvPr>
@@ -6886,7 +6879,7 @@
           <p:cNvPr id="14" name="TextBox 13">
             <a:extLst>
               <a:ext uri="{FF2B5EF4-FFF2-40B4-BE49-F238E27FC236}">
-                <a16:creationId xmlns:a16="http://schemas.microsoft.com/office/drawing/2014/main" xmlns="" id="{B5F6B7C5-21E7-4C13-801E-31E5273FDAED}"/>
+                <a16:creationId xmlns:a16="http://schemas.microsoft.com/office/drawing/2014/main" id="{B5F6B7C5-21E7-4C13-801E-31E5273FDAED}"/>
               </a:ext>
             </a:extLst>
           </p:cNvPr>
@@ -6924,7 +6917,7 @@
           <p:cNvPr id="9" name="TextBox 8">
             <a:extLst>
               <a:ext uri="{FF2B5EF4-FFF2-40B4-BE49-F238E27FC236}">
-                <a16:creationId xmlns:a16="http://schemas.microsoft.com/office/drawing/2014/main" xmlns="" id="{65DD2F5B-0B2C-498C-9703-16E8B2863249}"/>
+                <a16:creationId xmlns:a16="http://schemas.microsoft.com/office/drawing/2014/main" id="{65DD2F5B-0B2C-498C-9703-16E8B2863249}"/>
               </a:ext>
             </a:extLst>
           </p:cNvPr>
@@ -6989,7 +6982,7 @@
           <p:cNvPr id="4" name="Picture 3">
             <a:extLst>
               <a:ext uri="{FF2B5EF4-FFF2-40B4-BE49-F238E27FC236}">
-                <a16:creationId xmlns:a16="http://schemas.microsoft.com/office/drawing/2014/main" xmlns="" id="{B6BCF13F-92DE-409C-93AD-21853255B96B}"/>
+                <a16:creationId xmlns:a16="http://schemas.microsoft.com/office/drawing/2014/main" id="{B6BCF13F-92DE-409C-93AD-21853255B96B}"/>
               </a:ext>
             </a:extLst>
           </p:cNvPr>
@@ -7019,7 +7012,7 @@
           <p:cNvPr id="6" name="Picture 5">
             <a:extLst>
               <a:ext uri="{FF2B5EF4-FFF2-40B4-BE49-F238E27FC236}">
-                <a16:creationId xmlns:a16="http://schemas.microsoft.com/office/drawing/2014/main" xmlns="" id="{EB544DA9-3928-40C9-A5A1-3342FAB78100}"/>
+                <a16:creationId xmlns:a16="http://schemas.microsoft.com/office/drawing/2014/main" id="{EB544DA9-3928-40C9-A5A1-3342FAB78100}"/>
               </a:ext>
             </a:extLst>
           </p:cNvPr>
@@ -7119,7 +7112,7 @@
           <p:cNvPr id="37" name="TextBox 36">
             <a:extLst>
               <a:ext uri="{FF2B5EF4-FFF2-40B4-BE49-F238E27FC236}">
-                <a16:creationId xmlns:a16="http://schemas.microsoft.com/office/drawing/2014/main" xmlns="" id="{E8CAC22F-1542-4031-BC6C-A16989886504}"/>
+                <a16:creationId xmlns:a16="http://schemas.microsoft.com/office/drawing/2014/main" id="{E8CAC22F-1542-4031-BC6C-A16989886504}"/>
               </a:ext>
             </a:extLst>
           </p:cNvPr>
@@ -7198,7 +7191,7 @@
           <p:cNvPr id="40" name="Picture 39">
             <a:extLst>
               <a:ext uri="{FF2B5EF4-FFF2-40B4-BE49-F238E27FC236}">
-                <a16:creationId xmlns:a16="http://schemas.microsoft.com/office/drawing/2014/main" xmlns="" id="{DA60E6FB-8C44-4FEB-B6E9-83DA908565CD}"/>
+                <a16:creationId xmlns:a16="http://schemas.microsoft.com/office/drawing/2014/main" id="{DA60E6FB-8C44-4FEB-B6E9-83DA908565CD}"/>
               </a:ext>
             </a:extLst>
           </p:cNvPr>
@@ -7234,7 +7227,7 @@
           <p:cNvPr id="41" name="Straight Connector 40">
             <a:extLst>
               <a:ext uri="{FF2B5EF4-FFF2-40B4-BE49-F238E27FC236}">
-                <a16:creationId xmlns:a16="http://schemas.microsoft.com/office/drawing/2014/main" xmlns="" id="{3B3B7D73-CAE9-45AC-ACCE-FAEF4E505C7A}"/>
+                <a16:creationId xmlns:a16="http://schemas.microsoft.com/office/drawing/2014/main" id="{3B3B7D73-CAE9-45AC-ACCE-FAEF4E505C7A}"/>
               </a:ext>
             </a:extLst>
           </p:cNvPr>
@@ -7270,7 +7263,7 @@
           <p:cNvPr id="2" name="TextBox 1">
             <a:extLst>
               <a:ext uri="{FF2B5EF4-FFF2-40B4-BE49-F238E27FC236}">
-                <a16:creationId xmlns:a16="http://schemas.microsoft.com/office/drawing/2014/main" xmlns="" id="{FB10A3A0-3BC8-4D12-8C90-678E5C29CA4B}"/>
+                <a16:creationId xmlns:a16="http://schemas.microsoft.com/office/drawing/2014/main" id="{FB10A3A0-3BC8-4D12-8C90-678E5C29CA4B}"/>
               </a:ext>
             </a:extLst>
           </p:cNvPr>
@@ -7486,7 +7479,7 @@
           <p:cNvPr id="37" name="TextBox 36">
             <a:extLst>
               <a:ext uri="{FF2B5EF4-FFF2-40B4-BE49-F238E27FC236}">
-                <a16:creationId xmlns:a16="http://schemas.microsoft.com/office/drawing/2014/main" xmlns="" id="{E8CAC22F-1542-4031-BC6C-A16989886504}"/>
+                <a16:creationId xmlns:a16="http://schemas.microsoft.com/office/drawing/2014/main" id="{E8CAC22F-1542-4031-BC6C-A16989886504}"/>
               </a:ext>
             </a:extLst>
           </p:cNvPr>
@@ -7565,7 +7558,7 @@
           <p:cNvPr id="40" name="Picture 39">
             <a:extLst>
               <a:ext uri="{FF2B5EF4-FFF2-40B4-BE49-F238E27FC236}">
-                <a16:creationId xmlns:a16="http://schemas.microsoft.com/office/drawing/2014/main" xmlns="" id="{DA60E6FB-8C44-4FEB-B6E9-83DA908565CD}"/>
+                <a16:creationId xmlns:a16="http://schemas.microsoft.com/office/drawing/2014/main" id="{DA60E6FB-8C44-4FEB-B6E9-83DA908565CD}"/>
               </a:ext>
             </a:extLst>
           </p:cNvPr>
@@ -7601,7 +7594,7 @@
           <p:cNvPr id="41" name="Straight Connector 40">
             <a:extLst>
               <a:ext uri="{FF2B5EF4-FFF2-40B4-BE49-F238E27FC236}">
-                <a16:creationId xmlns:a16="http://schemas.microsoft.com/office/drawing/2014/main" xmlns="" id="{3B3B7D73-CAE9-45AC-ACCE-FAEF4E505C7A}"/>
+                <a16:creationId xmlns:a16="http://schemas.microsoft.com/office/drawing/2014/main" id="{3B3B7D73-CAE9-45AC-ACCE-FAEF4E505C7A}"/>
               </a:ext>
             </a:extLst>
           </p:cNvPr>
@@ -7637,7 +7630,7 @@
           <p:cNvPr id="2" name="TextBox 1">
             <a:extLst>
               <a:ext uri="{FF2B5EF4-FFF2-40B4-BE49-F238E27FC236}">
-                <a16:creationId xmlns:a16="http://schemas.microsoft.com/office/drawing/2014/main" xmlns="" id="{FB10A3A0-3BC8-4D12-8C90-678E5C29CA4B}"/>
+                <a16:creationId xmlns:a16="http://schemas.microsoft.com/office/drawing/2014/main" id="{FB10A3A0-3BC8-4D12-8C90-678E5C29CA4B}"/>
               </a:ext>
             </a:extLst>
           </p:cNvPr>
